--- a/Apresentacao_Final.pptx
+++ b/Apresentacao_Final.pptx
@@ -5,10 +5,10 @@
     <p:sldMasterId id="2147483648" r:id="rId1"/>
   </p:sldMasterIdLst>
   <p:notesMasterIdLst>
-    <p:notesMasterId r:id="rId15"/>
+    <p:notesMasterId r:id="rId16"/>
   </p:notesMasterIdLst>
   <p:handoutMasterIdLst>
-    <p:handoutMasterId r:id="rId16"/>
+    <p:handoutMasterId r:id="rId17"/>
   </p:handoutMasterIdLst>
   <p:sldIdLst>
     <p:sldId id="261" r:id="rId2"/>
@@ -24,6 +24,7 @@
     <p:sldId id="273" r:id="rId12"/>
     <p:sldId id="283" r:id="rId13"/>
     <p:sldId id="281" r:id="rId14"/>
+    <p:sldId id="287" r:id="rId15"/>
   </p:sldIdLst>
   <p:sldSz cx="12192000" cy="6858000"/>
   <p:notesSz cx="6858000" cy="9144000"/>
@@ -228,7 +229,7 @@
             <a:pPr rtl="0"/>
             <a:fld id="{8A5E9E8E-5488-43AE-80AF-157DF0B59A11}" type="datetime1">
               <a:rPr lang="pt-PT" smtClean="0"/>
-              <a:t>17/09/2020</a:t>
+              <a:t>23/09/2020</a:t>
             </a:fld>
             <a:endParaRPr lang="pt-PT" dirty="0"/>
           </a:p>
@@ -398,7 +399,7 @@
             <a:pPr rtl="0"/>
             <a:fld id="{A9A1813E-6F10-4C54-9D90-E6335EA25CA4}" type="datetime1">
               <a:rPr lang="pt-PT" noProof="0" smtClean="0"/>
-              <a:t>17/09/2020</a:t>
+              <a:t>23/09/2020</a:t>
             </a:fld>
             <a:endParaRPr lang="pt-PT" noProof="0" dirty="0"/>
           </a:p>
@@ -713,7 +714,34 @@
           <a:bodyPr/>
           <a:lstStyle/>
           <a:p>
+            <a:r>
+              <a:rPr lang="pt-PT" dirty="0"/>
+              <a:t>Miguel</a:t>
+            </a:r>
+          </a:p>
+          <a:p>
             <a:endParaRPr lang="pt-PT" dirty="0"/>
+          </a:p>
+          <a:p>
+            <a:r>
+              <a:rPr lang="pt-PT" dirty="0"/>
+              <a:t>Boa tarde.</a:t>
+            </a:r>
+          </a:p>
+          <a:p>
+            <a:endParaRPr lang="pt-PT" dirty="0"/>
+          </a:p>
+          <a:p>
+            <a:r>
+              <a:rPr lang="pt-PT" dirty="0"/>
+              <a:t>O meu nome é Miguel Nunes…</a:t>
+            </a:r>
+          </a:p>
+          <a:p>
+            <a:r>
+              <a:rPr lang="pt-PT" dirty="0"/>
+              <a:t>E o nosso projeto é a criação de um motor de pesquisa para exercicios sobre a linguagem de programação Python sugerido pelo nosso orientador João Beleza</a:t>
+            </a:r>
           </a:p>
         </p:txBody>
       </p:sp>
@@ -745,6 +773,663 @@
     <p:extLst>
       <p:ext uri="{BB962C8B-B14F-4D97-AF65-F5344CB8AC3E}">
         <p14:creationId xmlns:p14="http://schemas.microsoft.com/office/powerpoint/2010/main" val="3067777214"/>
+      </p:ext>
+    </p:extLst>
+  </p:cSld>
+  <p:clrMapOvr>
+    <a:masterClrMapping/>
+  </p:clrMapOvr>
+</p:notes>
+</file>
+
+<file path=ppt/notesSlides/notesSlide10.xml><?xml version="1.0" encoding="utf-8"?>
+<p:notes xmlns:a="http://schemas.openxmlformats.org/drawingml/2006/main" xmlns:r="http://schemas.openxmlformats.org/officeDocument/2006/relationships" xmlns:p="http://schemas.openxmlformats.org/presentationml/2006/main">
+  <p:cSld>
+    <p:spTree>
+      <p:nvGrpSpPr>
+        <p:cNvPr id="1" name=""/>
+        <p:cNvGrpSpPr/>
+        <p:nvPr/>
+      </p:nvGrpSpPr>
+      <p:grpSpPr>
+        <a:xfrm>
+          <a:off x="0" y="0"/>
+          <a:ext cx="0" cy="0"/>
+          <a:chOff x="0" y="0"/>
+          <a:chExt cx="0" cy="0"/>
+        </a:xfrm>
+      </p:grpSpPr>
+      <p:sp>
+        <p:nvSpPr>
+          <p:cNvPr id="2" name="Espaço Reservado para Imagem de Slide 1"/>
+          <p:cNvSpPr>
+            <a:spLocks noGrp="1" noRot="1" noChangeAspect="1"/>
+          </p:cNvSpPr>
+          <p:nvPr>
+            <p:ph type="sldImg"/>
+          </p:nvPr>
+        </p:nvSpPr>
+        <p:spPr/>
+      </p:sp>
+      <p:sp>
+        <p:nvSpPr>
+          <p:cNvPr id="3" name="Espaço Reservado para Anotações 2"/>
+          <p:cNvSpPr>
+            <a:spLocks noGrp="1"/>
+          </p:cNvSpPr>
+          <p:nvPr>
+            <p:ph type="body" idx="1"/>
+          </p:nvPr>
+        </p:nvSpPr>
+        <p:spPr/>
+        <p:txBody>
+          <a:bodyPr/>
+          <a:lstStyle/>
+          <a:p>
+            <a:pPr marL="0" marR="0" lvl="0" indent="0" algn="l" defTabSz="914400" rtl="0" eaLnBrk="1" fontAlgn="auto" latinLnBrk="0" hangingPunct="1">
+              <a:lnSpc>
+                <a:spcPct val="100000"/>
+              </a:lnSpc>
+              <a:spcBef>
+                <a:spcPts val="0"/>
+              </a:spcBef>
+              <a:spcAft>
+                <a:spcPts val="0"/>
+              </a:spcAft>
+              <a:buClrTx/>
+              <a:buSzTx/>
+              <a:buFontTx/>
+              <a:buNone/>
+              <a:tabLst/>
+              <a:defRPr/>
+            </a:pPr>
+            <a:r>
+              <a:rPr lang="pt-PT" dirty="0"/>
+              <a:t>Miguel</a:t>
+            </a:r>
+          </a:p>
+          <a:p>
+            <a:endParaRPr lang="pt-PT" dirty="0"/>
+          </a:p>
+          <a:p>
+            <a:r>
+              <a:rPr lang="pt-PT" dirty="0"/>
+              <a:t>O Whoosh, ao criar o repositório ou Indice, utiliza um esquema de informação, ou Schema.</a:t>
+            </a:r>
+          </a:p>
+          <a:p>
+            <a:endParaRPr lang="pt-PT" dirty="0"/>
+          </a:p>
+          <a:p>
+            <a:r>
+              <a:rPr lang="pt-PT" dirty="0"/>
+              <a:t>Este esquemá exemplifica a estrutura que a informação guardada tem de respeitar.</a:t>
+            </a:r>
+          </a:p>
+          <a:p>
+            <a:endParaRPr lang="pt-PT" dirty="0"/>
+          </a:p>
+          <a:p>
+            <a:r>
+              <a:rPr lang="pt-PT" dirty="0"/>
+              <a:t>No nosso caso o esquema informa o repositório que a informação guardada vai ter:</a:t>
+            </a:r>
+          </a:p>
+          <a:p>
+            <a:r>
+              <a:rPr lang="pt-PT" dirty="0"/>
+              <a:t>-Um caminho ou path para o ficheiro</a:t>
+            </a:r>
+          </a:p>
+          <a:p>
+            <a:r>
+              <a:rPr lang="pt-PT" dirty="0"/>
+              <a:t>-O conteudo do documento</a:t>
+            </a:r>
+          </a:p>
+          <a:p>
+            <a:r>
+              <a:rPr lang="pt-PT" dirty="0"/>
+              <a:t>-A data em que o ficheiro foi criado</a:t>
+            </a:r>
+          </a:p>
+          <a:p>
+            <a:r>
+              <a:rPr lang="pt-PT" dirty="0"/>
+              <a:t>-O tipo de ficheiro</a:t>
+            </a:r>
+          </a:p>
+          <a:p>
+            <a:r>
+              <a:rPr lang="pt-PT" dirty="0"/>
+              <a:t>-O numero de vezes que o ficheiro foi adicionado ao indice, que serve para medir a importancia do documento</a:t>
+            </a:r>
+          </a:p>
+          <a:p>
+            <a:endParaRPr lang="pt-PT" dirty="0"/>
+          </a:p>
+          <a:p>
+            <a:r>
+              <a:rPr lang="pt-PT" dirty="0"/>
+              <a:t>Por esta ordem.</a:t>
+            </a:r>
+          </a:p>
+        </p:txBody>
+      </p:sp>
+      <p:sp>
+        <p:nvSpPr>
+          <p:cNvPr id="4" name="Espaço Reservado para Número de Slide 3"/>
+          <p:cNvSpPr>
+            <a:spLocks noGrp="1"/>
+          </p:cNvSpPr>
+          <p:nvPr>
+            <p:ph type="sldNum" sz="quarter" idx="5"/>
+          </p:nvPr>
+        </p:nvSpPr>
+        <p:spPr/>
+        <p:txBody>
+          <a:bodyPr/>
+          <a:lstStyle/>
+          <a:p>
+            <a:pPr rtl="0"/>
+            <a:fld id="{82869989-EB00-4EE7-BCB5-25BDC5BB29F8}" type="slidenum">
+              <a:rPr lang="pt-PT" noProof="0" smtClean="0"/>
+              <a:t>10</a:t>
+            </a:fld>
+            <a:endParaRPr lang="pt-PT" noProof="0" dirty="0"/>
+          </a:p>
+        </p:txBody>
+      </p:sp>
+    </p:spTree>
+    <p:extLst>
+      <p:ext uri="{BB962C8B-B14F-4D97-AF65-F5344CB8AC3E}">
+        <p14:creationId xmlns:p14="http://schemas.microsoft.com/office/powerpoint/2010/main" val="3117614353"/>
+      </p:ext>
+    </p:extLst>
+  </p:cSld>
+  <p:clrMapOvr>
+    <a:masterClrMapping/>
+  </p:clrMapOvr>
+</p:notes>
+</file>
+
+<file path=ppt/notesSlides/notesSlide11.xml><?xml version="1.0" encoding="utf-8"?>
+<p:notes xmlns:a="http://schemas.openxmlformats.org/drawingml/2006/main" xmlns:r="http://schemas.openxmlformats.org/officeDocument/2006/relationships" xmlns:p="http://schemas.openxmlformats.org/presentationml/2006/main">
+  <p:cSld>
+    <p:spTree>
+      <p:nvGrpSpPr>
+        <p:cNvPr id="1" name=""/>
+        <p:cNvGrpSpPr/>
+        <p:nvPr/>
+      </p:nvGrpSpPr>
+      <p:grpSpPr>
+        <a:xfrm>
+          <a:off x="0" y="0"/>
+          <a:ext cx="0" cy="0"/>
+          <a:chOff x="0" y="0"/>
+          <a:chExt cx="0" cy="0"/>
+        </a:xfrm>
+      </p:grpSpPr>
+      <p:sp>
+        <p:nvSpPr>
+          <p:cNvPr id="2" name="Marcador de Posição da Imagem do Diapositivo 1"/>
+          <p:cNvSpPr>
+            <a:spLocks noGrp="1" noRot="1" noChangeAspect="1"/>
+          </p:cNvSpPr>
+          <p:nvPr>
+            <p:ph type="sldImg"/>
+          </p:nvPr>
+        </p:nvSpPr>
+        <p:spPr/>
+      </p:sp>
+      <p:sp>
+        <p:nvSpPr>
+          <p:cNvPr id="3" name="Marcador de Posição de Notas 2"/>
+          <p:cNvSpPr>
+            <a:spLocks noGrp="1"/>
+          </p:cNvSpPr>
+          <p:nvPr>
+            <p:ph type="body" idx="1"/>
+          </p:nvPr>
+        </p:nvSpPr>
+        <p:spPr/>
+        <p:txBody>
+          <a:bodyPr/>
+          <a:lstStyle/>
+          <a:p>
+            <a:r>
+              <a:rPr lang="pt-PT" dirty="0"/>
+              <a:t>O motor de pesquisa desenvolvido permite que o utilizador personalize a sua pesquisa com diferentes parâmetros.</a:t>
+            </a:r>
+          </a:p>
+          <a:p>
+            <a:endParaRPr lang="pt-PT" dirty="0"/>
+          </a:p>
+          <a:p>
+            <a:r>
+              <a:rPr lang="pt-PT" dirty="0"/>
+              <a:t>Esses parâmetros são:</a:t>
+            </a:r>
+          </a:p>
+          <a:p>
+            <a:pPr marL="171450" indent="-171450">
+              <a:buFontTx/>
+              <a:buChar char="-"/>
+            </a:pPr>
+            <a:r>
+              <a:rPr lang="pt-PT" dirty="0"/>
+              <a:t>Palavras chave -&gt; Texto introduzido na caixa de texto do motor de pesquisa que contêm os temas dos exercícios que o utilizador deseja obter, semelhante ao que acontece numa pesquisa no 	        google.</a:t>
+            </a:r>
+          </a:p>
+          <a:p>
+            <a:pPr marL="171450" indent="-171450">
+              <a:buFontTx/>
+              <a:buChar char="-"/>
+            </a:pPr>
+            <a:r>
+              <a:rPr lang="pt-PT" dirty="0"/>
+              <a:t>Definir que tipos de ficheiro obtém na lista de resultados, ou seja, se deseja obter por exemplo só </a:t>
+            </a:r>
+            <a:r>
+              <a:rPr lang="pt-PT" dirty="0" err="1"/>
+              <a:t>pdf’s</a:t>
+            </a:r>
+            <a:endParaRPr lang="pt-PT" dirty="0"/>
+          </a:p>
+          <a:p>
+            <a:pPr marL="171450" indent="-171450">
+              <a:buFontTx/>
+              <a:buChar char="-"/>
+            </a:pPr>
+            <a:r>
+              <a:rPr lang="pt-PT" dirty="0"/>
+              <a:t>Definir a data limite dos exercícios que aparecem na lista de resultados, por exemplo, apresentar exercícios com menos de mês</a:t>
+            </a:r>
+          </a:p>
+          <a:p>
+            <a:pPr marL="171450" indent="-171450">
+              <a:buFontTx/>
+              <a:buChar char="-"/>
+            </a:pPr>
+            <a:endParaRPr lang="pt-PT" dirty="0"/>
+          </a:p>
+          <a:p>
+            <a:pPr marL="0" indent="0">
+              <a:buFontTx/>
+              <a:buNone/>
+            </a:pPr>
+            <a:r>
+              <a:rPr lang="pt-PT" dirty="0"/>
+              <a:t>Após o utilizador submeter a pesquisa o sistema compara os</a:t>
+            </a:r>
+            <a:r>
+              <a:rPr lang="pt-PT" sz="1200" dirty="0"/>
+              <a:t> parâmetros definidos com os parâmetros contidos na estrutura de cada exercício e apresenta ao utilizador uma lista com os exercícios que obedecem à comparação.</a:t>
+            </a:r>
+            <a:endParaRPr lang="pt-PT" dirty="0"/>
+          </a:p>
+        </p:txBody>
+      </p:sp>
+      <p:sp>
+        <p:nvSpPr>
+          <p:cNvPr id="4" name="Marcador de Posição do Número do Diapositivo 3"/>
+          <p:cNvSpPr>
+            <a:spLocks noGrp="1"/>
+          </p:cNvSpPr>
+          <p:nvPr>
+            <p:ph type="sldNum" sz="quarter" idx="5"/>
+          </p:nvPr>
+        </p:nvSpPr>
+        <p:spPr/>
+        <p:txBody>
+          <a:bodyPr/>
+          <a:lstStyle/>
+          <a:p>
+            <a:pPr rtl="0"/>
+            <a:fld id="{82869989-EB00-4EE7-BCB5-25BDC5BB29F8}" type="slidenum">
+              <a:rPr lang="pt-PT" noProof="0" smtClean="0"/>
+              <a:t>11</a:t>
+            </a:fld>
+            <a:endParaRPr lang="pt-PT" noProof="0" dirty="0"/>
+          </a:p>
+        </p:txBody>
+      </p:sp>
+    </p:spTree>
+    <p:extLst>
+      <p:ext uri="{BB962C8B-B14F-4D97-AF65-F5344CB8AC3E}">
+        <p14:creationId xmlns:p14="http://schemas.microsoft.com/office/powerpoint/2010/main" val="4088528716"/>
+      </p:ext>
+    </p:extLst>
+  </p:cSld>
+  <p:clrMapOvr>
+    <a:masterClrMapping/>
+  </p:clrMapOvr>
+</p:notes>
+</file>
+
+<file path=ppt/notesSlides/notesSlide12.xml><?xml version="1.0" encoding="utf-8"?>
+<p:notes xmlns:a="http://schemas.openxmlformats.org/drawingml/2006/main" xmlns:r="http://schemas.openxmlformats.org/officeDocument/2006/relationships" xmlns:p="http://schemas.openxmlformats.org/presentationml/2006/main">
+  <p:cSld>
+    <p:spTree>
+      <p:nvGrpSpPr>
+        <p:cNvPr id="1" name=""/>
+        <p:cNvGrpSpPr/>
+        <p:nvPr/>
+      </p:nvGrpSpPr>
+      <p:grpSpPr>
+        <a:xfrm>
+          <a:off x="0" y="0"/>
+          <a:ext cx="0" cy="0"/>
+          <a:chOff x="0" y="0"/>
+          <a:chExt cx="0" cy="0"/>
+        </a:xfrm>
+      </p:grpSpPr>
+      <p:sp>
+        <p:nvSpPr>
+          <p:cNvPr id="2" name="Marcador de Posição da Imagem do Diapositivo 1"/>
+          <p:cNvSpPr>
+            <a:spLocks noGrp="1" noRot="1" noChangeAspect="1"/>
+          </p:cNvSpPr>
+          <p:nvPr>
+            <p:ph type="sldImg"/>
+          </p:nvPr>
+        </p:nvSpPr>
+        <p:spPr/>
+      </p:sp>
+      <p:sp>
+        <p:nvSpPr>
+          <p:cNvPr id="3" name="Marcador de Posição de Notas 2"/>
+          <p:cNvSpPr>
+            <a:spLocks noGrp="1"/>
+          </p:cNvSpPr>
+          <p:nvPr>
+            <p:ph type="body" idx="1"/>
+          </p:nvPr>
+        </p:nvSpPr>
+        <p:spPr/>
+        <p:txBody>
+          <a:bodyPr/>
+          <a:lstStyle/>
+          <a:p>
+            <a:r>
+              <a:rPr lang="pt-PT" dirty="0"/>
+              <a:t>Na personalização da pesquisa também permite que o utilizador defina o tipo de ordenação aplicada à lista de resultados</a:t>
+            </a:r>
+          </a:p>
+          <a:p>
+            <a:endParaRPr lang="pt-PT" dirty="0"/>
+          </a:p>
+          <a:p>
+            <a:r>
+              <a:rPr lang="pt-PT" dirty="0"/>
+              <a:t>Os tipos de ordenação são:</a:t>
+            </a:r>
+          </a:p>
+          <a:p>
+            <a:pPr marL="171450" indent="-171450">
+              <a:buFontTx/>
+              <a:buChar char="-"/>
+            </a:pPr>
+            <a:r>
+              <a:rPr lang="pt-PT" dirty="0"/>
+              <a:t>A ordenação por definição </a:t>
+            </a:r>
+            <a:r>
+              <a:rPr lang="pt-PT" dirty="0" err="1"/>
+              <a:t>Okapi</a:t>
+            </a:r>
+            <a:r>
+              <a:rPr lang="pt-PT" dirty="0"/>
+              <a:t> BM25F -&gt; O </a:t>
+            </a:r>
+            <a:r>
+              <a:rPr lang="pt-PT" dirty="0" err="1"/>
+              <a:t>Okapi</a:t>
+            </a:r>
+            <a:r>
+              <a:rPr lang="pt-PT" dirty="0"/>
+              <a:t> BM25F, é uma variante da função </a:t>
+            </a:r>
+            <a:r>
+              <a:rPr lang="pt-PT" dirty="0" err="1"/>
+              <a:t>Okapi</a:t>
+            </a:r>
+            <a:r>
+              <a:rPr lang="pt-PT" dirty="0"/>
+              <a:t> BM25 que retorna o valor TF-IDF associado a cada documento. O valor TF (</a:t>
+            </a:r>
+            <a:r>
+              <a:rPr lang="pt-PT" dirty="0" err="1"/>
+              <a:t>term</a:t>
+            </a:r>
+            <a:r>
+              <a:rPr lang="pt-PT" dirty="0"/>
+              <a:t> </a:t>
+            </a:r>
+            <a:r>
+              <a:rPr lang="pt-PT" dirty="0" err="1"/>
+              <a:t>frequency</a:t>
+            </a:r>
+            <a:r>
+              <a:rPr lang="pt-PT" dirty="0"/>
+              <a:t>) é diretamente proporcional à </a:t>
+            </a:r>
+            <a:r>
+              <a:rPr lang="pt-PT" sz="1200" b="0" i="0" u="none" strike="noStrike" kern="1200" baseline="0" dirty="0">
+                <a:solidFill>
+                  <a:schemeClr val="tx1"/>
+                </a:solidFill>
+                <a:latin typeface="+mn-lt"/>
+                <a:ea typeface="+mn-ea"/>
+                <a:cs typeface="+mn-cs"/>
+              </a:rPr>
+              <a:t>frequência de aparecimento das palavras procuradas pelo utilizador, ou seja, quanto mais vezes aparecem as palavras introduzidas pelo utilizador num determinado documento mais peso terá esse documento. O valor IDF (</a:t>
+            </a:r>
+            <a:r>
+              <a:rPr lang="pt-PT" sz="1200" b="0" i="0" u="none" strike="noStrike" kern="1200" baseline="0" dirty="0" err="1">
+                <a:solidFill>
+                  <a:schemeClr val="tx1"/>
+                </a:solidFill>
+                <a:latin typeface="+mn-lt"/>
+                <a:ea typeface="+mn-ea"/>
+                <a:cs typeface="+mn-cs"/>
+              </a:rPr>
+              <a:t>inverse</a:t>
+            </a:r>
+            <a:r>
+              <a:rPr lang="pt-PT" sz="1200" b="0" i="0" u="none" strike="noStrike" kern="1200" baseline="0" dirty="0">
+                <a:solidFill>
+                  <a:schemeClr val="tx1"/>
+                </a:solidFill>
+                <a:latin typeface="+mn-lt"/>
+                <a:ea typeface="+mn-ea"/>
+                <a:cs typeface="+mn-cs"/>
+              </a:rPr>
+              <a:t> </a:t>
+            </a:r>
+            <a:r>
+              <a:rPr lang="pt-PT" sz="1200" b="0" i="0" u="none" strike="noStrike" kern="1200" baseline="0" dirty="0" err="1">
+                <a:solidFill>
+                  <a:schemeClr val="tx1"/>
+                </a:solidFill>
+                <a:latin typeface="+mn-lt"/>
+                <a:ea typeface="+mn-ea"/>
+                <a:cs typeface="+mn-cs"/>
+              </a:rPr>
+              <a:t>document</a:t>
+            </a:r>
+            <a:r>
+              <a:rPr lang="pt-PT" sz="1200" b="0" i="0" u="none" strike="noStrike" kern="1200" baseline="0" dirty="0">
+                <a:solidFill>
+                  <a:schemeClr val="tx1"/>
+                </a:solidFill>
+                <a:latin typeface="+mn-lt"/>
+                <a:ea typeface="+mn-ea"/>
+                <a:cs typeface="+mn-cs"/>
+              </a:rPr>
+              <a:t> </a:t>
+            </a:r>
+            <a:r>
+              <a:rPr lang="pt-PT" sz="1200" b="0" i="0" u="none" strike="noStrike" kern="1200" baseline="0" dirty="0" err="1">
+                <a:solidFill>
+                  <a:schemeClr val="tx1"/>
+                </a:solidFill>
+                <a:latin typeface="+mn-lt"/>
+                <a:ea typeface="+mn-ea"/>
+                <a:cs typeface="+mn-cs"/>
+              </a:rPr>
+              <a:t>frequency</a:t>
+            </a:r>
+            <a:r>
+              <a:rPr lang="pt-PT" sz="1200" b="0" i="0" u="none" strike="noStrike" kern="1200" baseline="0" dirty="0">
+                <a:solidFill>
+                  <a:schemeClr val="tx1"/>
+                </a:solidFill>
+                <a:latin typeface="+mn-lt"/>
+                <a:ea typeface="+mn-ea"/>
+                <a:cs typeface="+mn-cs"/>
+              </a:rPr>
+              <a:t>) reduz o peso das palavras que aparecem em mais documentos. A lista de resultados e ordem nada por ordem decrescente de pesos.</a:t>
+            </a:r>
+          </a:p>
+          <a:p>
+            <a:pPr marL="171450" indent="-171450">
+              <a:buFontTx/>
+              <a:buChar char="-"/>
+            </a:pPr>
+            <a:r>
+              <a:rPr lang="pt-PT" noProof="0" dirty="0"/>
+              <a:t>A data de criação do documento -&gt; O sistema verifica as datas em que os ficheiros associados ao exercícios presente na lista de resultados e ordena a lista por ordem decrescente de data.</a:t>
+            </a:r>
+          </a:p>
+          <a:p>
+            <a:pPr marL="171450" indent="-171450">
+              <a:buFontTx/>
+              <a:buChar char="-"/>
+            </a:pPr>
+            <a:r>
+              <a:rPr lang="pt-PT" noProof="0" dirty="0"/>
+              <a:t>Número de ocorrências –&gt; O sistema verifica o número de vezes que o mesmo ficheiro foi adicionado ao repositório e ordena a lista de resultados por ordem decrescente de número de ocorrências.</a:t>
+            </a:r>
+          </a:p>
+        </p:txBody>
+      </p:sp>
+      <p:sp>
+        <p:nvSpPr>
+          <p:cNvPr id="4" name="Marcador de Posição do Número do Diapositivo 3"/>
+          <p:cNvSpPr>
+            <a:spLocks noGrp="1"/>
+          </p:cNvSpPr>
+          <p:nvPr>
+            <p:ph type="sldNum" sz="quarter" idx="5"/>
+          </p:nvPr>
+        </p:nvSpPr>
+        <p:spPr/>
+        <p:txBody>
+          <a:bodyPr/>
+          <a:lstStyle/>
+          <a:p>
+            <a:pPr rtl="0"/>
+            <a:fld id="{82869989-EB00-4EE7-BCB5-25BDC5BB29F8}" type="slidenum">
+              <a:rPr lang="pt-PT" noProof="0" smtClean="0"/>
+              <a:t>12</a:t>
+            </a:fld>
+            <a:endParaRPr lang="pt-PT" noProof="0" dirty="0"/>
+          </a:p>
+        </p:txBody>
+      </p:sp>
+    </p:spTree>
+    <p:extLst>
+      <p:ext uri="{BB962C8B-B14F-4D97-AF65-F5344CB8AC3E}">
+        <p14:creationId xmlns:p14="http://schemas.microsoft.com/office/powerpoint/2010/main" val="2037291975"/>
+      </p:ext>
+    </p:extLst>
+  </p:cSld>
+  <p:clrMapOvr>
+    <a:masterClrMapping/>
+  </p:clrMapOvr>
+</p:notes>
+</file>
+
+<file path=ppt/notesSlides/notesSlide13.xml><?xml version="1.0" encoding="utf-8"?>
+<p:notes xmlns:a="http://schemas.openxmlformats.org/drawingml/2006/main" xmlns:r="http://schemas.openxmlformats.org/officeDocument/2006/relationships" xmlns:p="http://schemas.openxmlformats.org/presentationml/2006/main">
+  <p:cSld>
+    <p:spTree>
+      <p:nvGrpSpPr>
+        <p:cNvPr id="1" name=""/>
+        <p:cNvGrpSpPr/>
+        <p:nvPr/>
+      </p:nvGrpSpPr>
+      <p:grpSpPr>
+        <a:xfrm>
+          <a:off x="0" y="0"/>
+          <a:ext cx="0" cy="0"/>
+          <a:chOff x="0" y="0"/>
+          <a:chExt cx="0" cy="0"/>
+        </a:xfrm>
+      </p:grpSpPr>
+      <p:sp>
+        <p:nvSpPr>
+          <p:cNvPr id="2" name="Marcador de Posição da Imagem do Diapositivo 1"/>
+          <p:cNvSpPr>
+            <a:spLocks noGrp="1" noRot="1" noChangeAspect="1"/>
+          </p:cNvSpPr>
+          <p:nvPr>
+            <p:ph type="sldImg"/>
+          </p:nvPr>
+        </p:nvSpPr>
+        <p:spPr/>
+      </p:sp>
+      <p:sp>
+        <p:nvSpPr>
+          <p:cNvPr id="3" name="Marcador de Posição de Notas 2"/>
+          <p:cNvSpPr>
+            <a:spLocks noGrp="1"/>
+          </p:cNvSpPr>
+          <p:nvPr>
+            <p:ph type="body" idx="1"/>
+          </p:nvPr>
+        </p:nvSpPr>
+        <p:spPr/>
+        <p:txBody>
+          <a:bodyPr/>
+          <a:lstStyle/>
+          <a:p>
+            <a:r>
+              <a:rPr lang="pt-PT" dirty="0"/>
+              <a:t>Demonstrar o funcionamento do trabalho</a:t>
+            </a:r>
+          </a:p>
+        </p:txBody>
+      </p:sp>
+      <p:sp>
+        <p:nvSpPr>
+          <p:cNvPr id="4" name="Marcador de Posição do Número do Diapositivo 3"/>
+          <p:cNvSpPr>
+            <a:spLocks noGrp="1"/>
+          </p:cNvSpPr>
+          <p:nvPr>
+            <p:ph type="sldNum" sz="quarter" idx="5"/>
+          </p:nvPr>
+        </p:nvSpPr>
+        <p:spPr/>
+        <p:txBody>
+          <a:bodyPr/>
+          <a:lstStyle/>
+          <a:p>
+            <a:pPr rtl="0"/>
+            <a:fld id="{82869989-EB00-4EE7-BCB5-25BDC5BB29F8}" type="slidenum">
+              <a:rPr lang="pt-PT" noProof="0" smtClean="0"/>
+              <a:t>13</a:t>
+            </a:fld>
+            <a:endParaRPr lang="pt-PT" noProof="0" dirty="0"/>
+          </a:p>
+        </p:txBody>
+      </p:sp>
+    </p:spTree>
+    <p:extLst>
+      <p:ext uri="{BB962C8B-B14F-4D97-AF65-F5344CB8AC3E}">
+        <p14:creationId xmlns:p14="http://schemas.microsoft.com/office/powerpoint/2010/main" val="3184429173"/>
       </p:ext>
     </p:extLst>
   </p:cSld>
@@ -798,15 +1483,36 @@
           <a:bodyPr/>
           <a:lstStyle/>
           <a:p>
+            <a:pPr marL="0" marR="0" lvl="0" indent="0" algn="l" defTabSz="914400" rtl="0" eaLnBrk="1" fontAlgn="auto" latinLnBrk="0" hangingPunct="1">
+              <a:lnSpc>
+                <a:spcPct val="100000"/>
+              </a:lnSpc>
+              <a:spcBef>
+                <a:spcPts val="0"/>
+              </a:spcBef>
+              <a:spcAft>
+                <a:spcPts val="0"/>
+              </a:spcAft>
+              <a:buClrTx/>
+              <a:buSzTx/>
+              <a:buFontTx/>
+              <a:buNone/>
+              <a:tabLst/>
+              <a:defRPr/>
+            </a:pPr>
             <a:r>
               <a:rPr lang="pt-PT" dirty="0"/>
-              <a:t>O foco principal deste projeto e o desenvolvimento de um programa para os professores com o propósito de facilitar a partilha e pesquisa de exercícios sobre a linguagem de programação </a:t>
-            </a:r>
-            <a:r>
-              <a:rPr lang="pt-PT" dirty="0" err="1"/>
-              <a:t>python</a:t>
-            </a:r>
+              <a:t>Miguel</a:t>
+            </a:r>
+          </a:p>
+          <a:p>
             <a:endParaRPr lang="pt-PT" dirty="0"/>
+          </a:p>
+          <a:p>
+            <a:r>
+              <a:rPr lang="pt-PT" dirty="0"/>
+              <a:t>Devido á existencia de um grande numero de exercicios num sistema de gestão de exercicios previamente desenvolvido existe a necessitade de verificar a unicidade de futuros exercicios assim como facilitar a procura dentros dos exercicios já criados. Como tal o foco principal deste projeto é o desenvolvimento de um motor de pesquisa para os professores com o propósito de facilitar a partilha e pesquisa de exercícios sobre a linguagem de programação python. </a:t>
+            </a:r>
           </a:p>
         </p:txBody>
       </p:sp>
@@ -977,7 +1683,55 @@
           <a:bodyPr/>
           <a:lstStyle/>
           <a:p>
+            <a:r>
+              <a:rPr lang="pt-PT" dirty="0"/>
+              <a:t>O seguinte caso de utilização representa uma narrativa onde se encontra uma sequencia de eventos entre o utilizador e a nossa aplicação. </a:t>
+            </a:r>
+            <a:br>
+              <a:rPr lang="pt-PT" dirty="0"/>
+            </a:br>
+            <a:r>
+              <a:rPr lang="pt-PT" dirty="0"/>
+              <a:t>No caso de utilização é possível observarmos as duas ações principais que um utilizador pode realizar no nosso projeto.  </a:t>
+            </a:r>
+          </a:p>
+          <a:p>
             <a:endParaRPr lang="pt-PT" dirty="0"/>
+          </a:p>
+          <a:p>
+            <a:r>
+              <a:rPr lang="pt-PT" dirty="0"/>
+              <a:t>Essas ações são:</a:t>
+            </a:r>
+          </a:p>
+          <a:p>
+            <a:pPr marL="171450" indent="-171450">
+              <a:buFontTx/>
+              <a:buChar char="-"/>
+            </a:pPr>
+            <a:r>
+              <a:rPr lang="pt-PT" dirty="0"/>
+              <a:t>Definir o espaço de pesquisa -&gt; Quando realizada esta ação o sistema obtém os ficheiros que se encontram no espaço de pesquisa definido, ficheiros esses que podem ser PDF, TEX e PY, 			         converte-os para texto simples e atualiza o repositório/índice de exercícios com o conteúdo presente nos ficheiros que seja relevante para a pesquisa;</a:t>
+            </a:r>
+          </a:p>
+          <a:p>
+            <a:pPr marL="171450" indent="-171450">
+              <a:buFontTx/>
+              <a:buChar char="-"/>
+            </a:pPr>
+            <a:r>
+              <a:rPr lang="pt-PT" dirty="0"/>
+              <a:t>Pesquisa de exercícios -&gt; Quando um utilizador realiza esta ação o sistema compara os dados introduzidos na pesquisa e compara-os com os vários exercícios presentes no repositório de 		                      exercício, construído uma lista de exercícios que obedecem a essa comparação. Quando a lista estiver completa o sistema apresenta-a ao utilizador.</a:t>
+            </a:r>
+          </a:p>
+          <a:p>
+            <a:br>
+              <a:rPr lang="pt-PT" dirty="0"/>
+            </a:br>
+            <a:r>
+              <a:rPr lang="pt-PT" dirty="0"/>
+              <a:t>Este caso de utilização serviu como base para a abordagem do projeto e como base na realização de testes.</a:t>
+            </a:r>
           </a:p>
         </p:txBody>
       </p:sp>
@@ -999,7 +1753,7 @@
             <a:pPr rtl="0"/>
             <a:fld id="{82869989-EB00-4EE7-BCB5-25BDC5BB29F8}" type="slidenum">
               <a:rPr lang="pt-PT" noProof="0" smtClean="0"/>
-              <a:t>11</a:t>
+              <a:t>4</a:t>
             </a:fld>
             <a:endParaRPr lang="pt-PT" noProof="0" dirty="0"/>
           </a:p>
@@ -1008,7 +1762,7 @@
     </p:spTree>
     <p:extLst>
       <p:ext uri="{BB962C8B-B14F-4D97-AF65-F5344CB8AC3E}">
-        <p14:creationId xmlns:p14="http://schemas.microsoft.com/office/powerpoint/2010/main" val="4088528716"/>
+        <p14:creationId xmlns:p14="http://schemas.microsoft.com/office/powerpoint/2010/main" val="1923944347"/>
       </p:ext>
     </p:extLst>
   </p:cSld>
@@ -1019,6 +1773,269 @@
 </file>
 
 <file path=ppt/notesSlides/notesSlide5.xml><?xml version="1.0" encoding="utf-8"?>
+<p:notes xmlns:a="http://schemas.openxmlformats.org/drawingml/2006/main" xmlns:r="http://schemas.openxmlformats.org/officeDocument/2006/relationships" xmlns:p="http://schemas.openxmlformats.org/presentationml/2006/main">
+  <p:cSld>
+    <p:spTree>
+      <p:nvGrpSpPr>
+        <p:cNvPr id="1" name=""/>
+        <p:cNvGrpSpPr/>
+        <p:nvPr/>
+      </p:nvGrpSpPr>
+      <p:grpSpPr>
+        <a:xfrm>
+          <a:off x="0" y="0"/>
+          <a:ext cx="0" cy="0"/>
+          <a:chOff x="0" y="0"/>
+          <a:chExt cx="0" cy="0"/>
+        </a:xfrm>
+      </p:grpSpPr>
+      <p:sp>
+        <p:nvSpPr>
+          <p:cNvPr id="2" name="Espaço Reservado para Imagem de Slide 1"/>
+          <p:cNvSpPr>
+            <a:spLocks noGrp="1" noRot="1" noChangeAspect="1"/>
+          </p:cNvSpPr>
+          <p:nvPr>
+            <p:ph type="sldImg"/>
+          </p:nvPr>
+        </p:nvSpPr>
+        <p:spPr/>
+      </p:sp>
+      <p:sp>
+        <p:nvSpPr>
+          <p:cNvPr id="3" name="Espaço Reservado para Anotações 2"/>
+          <p:cNvSpPr>
+            <a:spLocks noGrp="1"/>
+          </p:cNvSpPr>
+          <p:nvPr>
+            <p:ph type="body" idx="1"/>
+          </p:nvPr>
+        </p:nvSpPr>
+        <p:spPr/>
+        <p:txBody>
+          <a:bodyPr/>
+          <a:lstStyle/>
+          <a:p>
+            <a:pPr marL="0" marR="0" lvl="0" indent="0" algn="l" defTabSz="914400" rtl="0" eaLnBrk="1" fontAlgn="auto" latinLnBrk="0" hangingPunct="1">
+              <a:lnSpc>
+                <a:spcPct val="100000"/>
+              </a:lnSpc>
+              <a:spcBef>
+                <a:spcPts val="0"/>
+              </a:spcBef>
+              <a:spcAft>
+                <a:spcPts val="0"/>
+              </a:spcAft>
+              <a:buClrTx/>
+              <a:buSzTx/>
+              <a:buFontTx/>
+              <a:buNone/>
+              <a:tabLst/>
+              <a:defRPr/>
+            </a:pPr>
+            <a:r>
+              <a:rPr lang="pt-PT" dirty="0"/>
+              <a:t>Miguel</a:t>
+            </a:r>
+          </a:p>
+          <a:p>
+            <a:endParaRPr lang="pt-PT" dirty="0"/>
+          </a:p>
+          <a:p>
+            <a:r>
+              <a:rPr lang="pt-PT" dirty="0"/>
+              <a:t>Devido á necessidade deste projeto se encontrar num browser utilizamos o Jupyter para o seu desenvolvimento.</a:t>
+            </a:r>
+          </a:p>
+          <a:p>
+            <a:r>
+              <a:rPr lang="pt-PT" dirty="0"/>
+              <a:t>A utilização do Jupyter é justificada devido ao facto de que Jupyter notebooks permitirem a execução de codigo em browsers pois estes convertem o código Python em componentes HTML.</a:t>
+            </a:r>
+          </a:p>
+          <a:p>
+            <a:endParaRPr lang="pt-PT" dirty="0"/>
+          </a:p>
+          <a:p>
+            <a:r>
+              <a:rPr lang="pt-PT" dirty="0"/>
+              <a:t>Utilizamos ainda a biblioteca Python Voilà para esconder as células de codigo Python e converter os resultados destas tambem em HTML.</a:t>
+            </a:r>
+          </a:p>
+          <a:p>
+            <a:r>
+              <a:rPr lang="pt-PT" dirty="0"/>
+              <a:t>O Voilà tem ainda beneficios como impedir que o utilizador execute código arbitrário criado </a:t>
+            </a:r>
+            <a:r>
+              <a:rPr lang="pt-PT" u="sng" dirty="0"/>
+              <a:t>por</a:t>
+            </a:r>
+            <a:r>
+              <a:rPr lang="pt-PT" dirty="0"/>
+              <a:t> ele assim como distribuir kernels para cada utilizador.</a:t>
+            </a:r>
+          </a:p>
+        </p:txBody>
+      </p:sp>
+      <p:sp>
+        <p:nvSpPr>
+          <p:cNvPr id="4" name="Espaço Reservado para Número de Slide 3"/>
+          <p:cNvSpPr>
+            <a:spLocks noGrp="1"/>
+          </p:cNvSpPr>
+          <p:nvPr>
+            <p:ph type="sldNum" sz="quarter" idx="5"/>
+          </p:nvPr>
+        </p:nvSpPr>
+        <p:spPr/>
+        <p:txBody>
+          <a:bodyPr/>
+          <a:lstStyle/>
+          <a:p>
+            <a:pPr rtl="0"/>
+            <a:fld id="{82869989-EB00-4EE7-BCB5-25BDC5BB29F8}" type="slidenum">
+              <a:rPr lang="pt-PT" noProof="0" smtClean="0"/>
+              <a:t>5</a:t>
+            </a:fld>
+            <a:endParaRPr lang="pt-PT" noProof="0" dirty="0"/>
+          </a:p>
+        </p:txBody>
+      </p:sp>
+    </p:spTree>
+    <p:extLst>
+      <p:ext uri="{BB962C8B-B14F-4D97-AF65-F5344CB8AC3E}">
+        <p14:creationId xmlns:p14="http://schemas.microsoft.com/office/powerpoint/2010/main" val="433510193"/>
+      </p:ext>
+    </p:extLst>
+  </p:cSld>
+  <p:clrMapOvr>
+    <a:masterClrMapping/>
+  </p:clrMapOvr>
+</p:notes>
+</file>
+
+<file path=ppt/notesSlides/notesSlide6.xml><?xml version="1.0" encoding="utf-8"?>
+<p:notes xmlns:a="http://schemas.openxmlformats.org/drawingml/2006/main" xmlns:r="http://schemas.openxmlformats.org/officeDocument/2006/relationships" xmlns:p="http://schemas.openxmlformats.org/presentationml/2006/main">
+  <p:cSld>
+    <p:spTree>
+      <p:nvGrpSpPr>
+        <p:cNvPr id="1" name=""/>
+        <p:cNvGrpSpPr/>
+        <p:nvPr/>
+      </p:nvGrpSpPr>
+      <p:grpSpPr>
+        <a:xfrm>
+          <a:off x="0" y="0"/>
+          <a:ext cx="0" cy="0"/>
+          <a:chOff x="0" y="0"/>
+          <a:chExt cx="0" cy="0"/>
+        </a:xfrm>
+      </p:grpSpPr>
+      <p:sp>
+        <p:nvSpPr>
+          <p:cNvPr id="2" name="Espaço Reservado para Imagem de Slide 1"/>
+          <p:cNvSpPr>
+            <a:spLocks noGrp="1" noRot="1" noChangeAspect="1"/>
+          </p:cNvSpPr>
+          <p:nvPr>
+            <p:ph type="sldImg"/>
+          </p:nvPr>
+        </p:nvSpPr>
+        <p:spPr/>
+      </p:sp>
+      <p:sp>
+        <p:nvSpPr>
+          <p:cNvPr id="3" name="Espaço Reservado para Anotações 2"/>
+          <p:cNvSpPr>
+            <a:spLocks noGrp="1"/>
+          </p:cNvSpPr>
+          <p:nvPr>
+            <p:ph type="body" idx="1"/>
+          </p:nvPr>
+        </p:nvSpPr>
+        <p:spPr/>
+        <p:txBody>
+          <a:bodyPr/>
+          <a:lstStyle/>
+          <a:p>
+            <a:pPr marL="0" marR="0" lvl="0" indent="0" algn="l" defTabSz="914400" rtl="0" eaLnBrk="1" fontAlgn="auto" latinLnBrk="0" hangingPunct="1">
+              <a:lnSpc>
+                <a:spcPct val="100000"/>
+              </a:lnSpc>
+              <a:spcBef>
+                <a:spcPts val="0"/>
+              </a:spcBef>
+              <a:spcAft>
+                <a:spcPts val="0"/>
+              </a:spcAft>
+              <a:buClrTx/>
+              <a:buSzTx/>
+              <a:buFontTx/>
+              <a:buNone/>
+              <a:tabLst/>
+              <a:defRPr/>
+            </a:pPr>
+            <a:r>
+              <a:rPr lang="pt-PT" dirty="0"/>
+              <a:t>Miguel</a:t>
+            </a:r>
+          </a:p>
+          <a:p>
+            <a:endParaRPr lang="pt-PT" dirty="0"/>
+          </a:p>
+          <a:p>
+            <a:r>
+              <a:rPr lang="pt-PT" dirty="0"/>
+              <a:t>Para a criação do motor de pesquisa em si é utilizado a biblioteca Python Whoosh.</a:t>
+            </a:r>
+          </a:p>
+          <a:p>
+            <a:r>
+              <a:rPr lang="pt-PT" dirty="0"/>
+              <a:t>Esta biblioteca permite a criação do motor de pesquisa atravéz da criação de repositórios de informação assim como a pesquisa sobre estes.</a:t>
+            </a:r>
+          </a:p>
+        </p:txBody>
+      </p:sp>
+      <p:sp>
+        <p:nvSpPr>
+          <p:cNvPr id="4" name="Espaço Reservado para Número de Slide 3"/>
+          <p:cNvSpPr>
+            <a:spLocks noGrp="1"/>
+          </p:cNvSpPr>
+          <p:nvPr>
+            <p:ph type="sldNum" sz="quarter" idx="5"/>
+          </p:nvPr>
+        </p:nvSpPr>
+        <p:spPr/>
+        <p:txBody>
+          <a:bodyPr/>
+          <a:lstStyle/>
+          <a:p>
+            <a:pPr rtl="0"/>
+            <a:fld id="{82869989-EB00-4EE7-BCB5-25BDC5BB29F8}" type="slidenum">
+              <a:rPr lang="pt-PT" noProof="0" smtClean="0"/>
+              <a:t>6</a:t>
+            </a:fld>
+            <a:endParaRPr lang="pt-PT" noProof="0" dirty="0"/>
+          </a:p>
+        </p:txBody>
+      </p:sp>
+    </p:spTree>
+    <p:extLst>
+      <p:ext uri="{BB962C8B-B14F-4D97-AF65-F5344CB8AC3E}">
+        <p14:creationId xmlns:p14="http://schemas.microsoft.com/office/powerpoint/2010/main" val="2317921537"/>
+      </p:ext>
+    </p:extLst>
+  </p:cSld>
+  <p:clrMapOvr>
+    <a:masterClrMapping/>
+  </p:clrMapOvr>
+</p:notes>
+</file>
+
+<file path=ppt/notesSlides/notesSlide7.xml><?xml version="1.0" encoding="utf-8"?>
 <p:notes xmlns:a="http://schemas.openxmlformats.org/drawingml/2006/main" xmlns:r="http://schemas.openxmlformats.org/officeDocument/2006/relationships" xmlns:p="http://schemas.openxmlformats.org/presentationml/2006/main">
   <p:cSld>
     <p:spTree>
@@ -1062,7 +2079,80 @@
           <a:bodyPr/>
           <a:lstStyle/>
           <a:p>
+            <a:r>
+              <a:rPr lang="pt-PT" dirty="0"/>
+              <a:t>Para que o sistema consiga encontrar os ficheiros de exercícios numa dada diretoria é necessário definir a estrutura geral de diretorias onde estes se encontram</a:t>
+            </a:r>
+          </a:p>
+          <a:p>
             <a:endParaRPr lang="pt-PT" dirty="0"/>
+          </a:p>
+          <a:p>
+            <a:r>
+              <a:rPr lang="pt-PT" dirty="0"/>
+              <a:t>Esta estrutura foi definida com base na estrutura de exercícios criadas pelo sistema de gestão de exercidos de correção automática mencionado na motivação deste trabalho. Este sistema ao definir um exercício define-o como uma pasta com o nome </a:t>
+            </a:r>
+            <a:r>
+              <a:rPr lang="pt-PT" dirty="0" err="1"/>
+              <a:t>question</a:t>
+            </a:r>
+            <a:r>
+              <a:rPr lang="pt-PT" dirty="0"/>
+              <a:t> seguida de um número. Dentro dessa pasta encontram-se várias pastas denominadas de </a:t>
+            </a:r>
+            <a:r>
+              <a:rPr lang="pt-PT" dirty="0" err="1"/>
+              <a:t>version</a:t>
+            </a:r>
+            <a:r>
+              <a:rPr lang="pt-PT" dirty="0"/>
+              <a:t>, seguido do numero da versão. Em cada pasta </a:t>
+            </a:r>
+            <a:r>
+              <a:rPr lang="pt-PT" dirty="0" err="1"/>
+              <a:t>version</a:t>
+            </a:r>
+            <a:r>
+              <a:rPr lang="pt-PT" dirty="0"/>
+              <a:t> encontram-se todos os documentos necessários para a criação da respetiva versão do exercício, os ficheiros que contém o conteúdo dos exercícios e que são essenciais para o motor de pesquisa são  </a:t>
+            </a:r>
+            <a:r>
+              <a:rPr lang="fr-FR" dirty="0"/>
+              <a:t>true_or_false_question.pdf, </a:t>
+            </a:r>
+            <a:r>
+              <a:rPr lang="fr-FR" dirty="0" err="1"/>
+              <a:t>true_or_false_question.tex</a:t>
+            </a:r>
+            <a:r>
+              <a:rPr lang="fr-FR" dirty="0"/>
+              <a:t> e program.py.</a:t>
+            </a:r>
+          </a:p>
+          <a:p>
+            <a:endParaRPr lang="fr-FR" dirty="0"/>
+          </a:p>
+          <a:p>
+            <a:r>
+              <a:rPr lang="pt-PT" noProof="0" dirty="0"/>
+              <a:t>O motor de pesquisa ao encontrar uma diretoria com o nome </a:t>
+            </a:r>
+            <a:r>
+              <a:rPr lang="pt-PT" noProof="0" dirty="0" err="1"/>
+              <a:t>question</a:t>
+            </a:r>
+            <a:r>
+              <a:rPr lang="pt-PT" noProof="0" dirty="0"/>
+              <a:t>, procede a encontrar a pasta version_1 de modo a obter os ficheiros de exercícios em PDF LATEX e </a:t>
+            </a:r>
+            <a:r>
+              <a:rPr lang="pt-PT" noProof="0" dirty="0" err="1"/>
+              <a:t>python</a:t>
+            </a:r>
+            <a:r>
+              <a:rPr lang="pt-PT" noProof="0" dirty="0"/>
+              <a:t>. Como a diferença entre as várias versões são variáveis e o conteúdo mantém-se praticamente o mesmo entre versões apenas é guardado no repositório a versão 1 de cada exercício.</a:t>
+            </a:r>
           </a:p>
         </p:txBody>
       </p:sp>
@@ -1084,7 +2174,7 @@
             <a:pPr rtl="0"/>
             <a:fld id="{82869989-EB00-4EE7-BCB5-25BDC5BB29F8}" type="slidenum">
               <a:rPr lang="pt-PT" noProof="0" smtClean="0"/>
-              <a:t>12</a:t>
+              <a:t>7</a:t>
             </a:fld>
             <a:endParaRPr lang="pt-PT" noProof="0" dirty="0"/>
           </a:p>
@@ -1093,7 +2183,7 @@
     </p:spTree>
     <p:extLst>
       <p:ext uri="{BB962C8B-B14F-4D97-AF65-F5344CB8AC3E}">
-        <p14:creationId xmlns:p14="http://schemas.microsoft.com/office/powerpoint/2010/main" val="2037291975"/>
+        <p14:creationId xmlns:p14="http://schemas.microsoft.com/office/powerpoint/2010/main" val="3777353746"/>
       </p:ext>
     </p:extLst>
   </p:cSld>
@@ -1103,7 +2193,7 @@
 </p:notes>
 </file>
 
-<file path=ppt/notesSlides/notesSlide6.xml><?xml version="1.0" encoding="utf-8"?>
+<file path=ppt/notesSlides/notesSlide8.xml><?xml version="1.0" encoding="utf-8"?>
 <p:notes xmlns:a="http://schemas.openxmlformats.org/drawingml/2006/main" xmlns:r="http://schemas.openxmlformats.org/officeDocument/2006/relationships" xmlns:p="http://schemas.openxmlformats.org/presentationml/2006/main">
   <p:cSld>
     <p:spTree>
@@ -1147,7 +2237,82 @@
           <a:bodyPr/>
           <a:lstStyle/>
           <a:p>
+            <a:r>
+              <a:rPr lang="pt-PT" dirty="0"/>
+              <a:t>Previamente a adicionar um ficheiro de exercício ao repositório, o sistema necessita de converte-lo para texto simples.</a:t>
+            </a:r>
+          </a:p>
+          <a:p>
             <a:endParaRPr lang="pt-PT" dirty="0"/>
+          </a:p>
+          <a:p>
+            <a:r>
+              <a:rPr lang="pt-PT" dirty="0"/>
+              <a:t>Os benefícios desta conversão são:</a:t>
+            </a:r>
+          </a:p>
+          <a:p>
+            <a:pPr marL="171450" indent="-171450">
+              <a:buFontTx/>
+              <a:buChar char="-"/>
+            </a:pPr>
+            <a:r>
+              <a:rPr lang="pt-PT" dirty="0"/>
+              <a:t>Tornar o programa mais escalável</a:t>
+            </a:r>
+          </a:p>
+          <a:p>
+            <a:pPr marL="171450" indent="-171450">
+              <a:buFontTx/>
+              <a:buChar char="-"/>
+            </a:pPr>
+            <a:r>
+              <a:rPr lang="pt-PT" dirty="0"/>
+              <a:t>Eliminar informação irrelevante, como </a:t>
+            </a:r>
+            <a:r>
+              <a:rPr lang="pt-PT" dirty="0" err="1"/>
+              <a:t>tags</a:t>
+            </a:r>
+            <a:r>
+              <a:rPr lang="pt-PT" dirty="0"/>
+              <a:t> nos ficheiros de latex</a:t>
+            </a:r>
+          </a:p>
+          <a:p>
+            <a:pPr marL="171450" indent="-171450">
+              <a:buFontTx/>
+              <a:buChar char="-"/>
+            </a:pPr>
+            <a:r>
+              <a:rPr lang="pt-PT" dirty="0"/>
+              <a:t>O </a:t>
+            </a:r>
+            <a:r>
+              <a:rPr lang="pt-PT" dirty="0" err="1"/>
+              <a:t>whoosh</a:t>
+            </a:r>
+            <a:r>
+              <a:rPr lang="pt-PT" dirty="0"/>
+              <a:t> permite aplicar analisadores de texto a texto simples (analisadores de texto serão explicados mais a frente)</a:t>
+            </a:r>
+          </a:p>
+          <a:p>
+            <a:pPr marL="171450" indent="-171450">
+              <a:buFontTx/>
+              <a:buChar char="-"/>
+            </a:pPr>
+            <a:endParaRPr lang="pt-PT" dirty="0"/>
+          </a:p>
+          <a:p>
+            <a:pPr marL="0" indent="0">
+              <a:buFontTx/>
+              <a:buNone/>
+            </a:pPr>
+            <a:r>
+              <a:rPr lang="pt-PT" dirty="0"/>
+              <a:t>“Descrever cada conversão”</a:t>
+            </a:r>
           </a:p>
         </p:txBody>
       </p:sp>
@@ -1169,7 +2334,7 @@
             <a:pPr rtl="0"/>
             <a:fld id="{82869989-EB00-4EE7-BCB5-25BDC5BB29F8}" type="slidenum">
               <a:rPr lang="pt-PT" noProof="0" smtClean="0"/>
-              <a:t>13</a:t>
+              <a:t>8</a:t>
             </a:fld>
             <a:endParaRPr lang="pt-PT" noProof="0" dirty="0"/>
           </a:p>
@@ -1178,7 +2343,154 @@
     </p:spTree>
     <p:extLst>
       <p:ext uri="{BB962C8B-B14F-4D97-AF65-F5344CB8AC3E}">
-        <p14:creationId xmlns:p14="http://schemas.microsoft.com/office/powerpoint/2010/main" val="3184429173"/>
+        <p14:creationId xmlns:p14="http://schemas.microsoft.com/office/powerpoint/2010/main" val="3222728171"/>
+      </p:ext>
+    </p:extLst>
+  </p:cSld>
+  <p:clrMapOvr>
+    <a:masterClrMapping/>
+  </p:clrMapOvr>
+</p:notes>
+</file>
+
+<file path=ppt/notesSlides/notesSlide9.xml><?xml version="1.0" encoding="utf-8"?>
+<p:notes xmlns:a="http://schemas.openxmlformats.org/drawingml/2006/main" xmlns:r="http://schemas.openxmlformats.org/officeDocument/2006/relationships" xmlns:p="http://schemas.openxmlformats.org/presentationml/2006/main">
+  <p:cSld>
+    <p:spTree>
+      <p:nvGrpSpPr>
+        <p:cNvPr id="1" name=""/>
+        <p:cNvGrpSpPr/>
+        <p:nvPr/>
+      </p:nvGrpSpPr>
+      <p:grpSpPr>
+        <a:xfrm>
+          <a:off x="0" y="0"/>
+          <a:ext cx="0" cy="0"/>
+          <a:chOff x="0" y="0"/>
+          <a:chExt cx="0" cy="0"/>
+        </a:xfrm>
+      </p:grpSpPr>
+      <p:sp>
+        <p:nvSpPr>
+          <p:cNvPr id="2" name="Espaço Reservado para Imagem de Slide 1"/>
+          <p:cNvSpPr>
+            <a:spLocks noGrp="1" noRot="1" noChangeAspect="1"/>
+          </p:cNvSpPr>
+          <p:nvPr>
+            <p:ph type="sldImg"/>
+          </p:nvPr>
+        </p:nvSpPr>
+        <p:spPr/>
+      </p:sp>
+      <p:sp>
+        <p:nvSpPr>
+          <p:cNvPr id="3" name="Espaço Reservado para Anotações 2"/>
+          <p:cNvSpPr>
+            <a:spLocks noGrp="1"/>
+          </p:cNvSpPr>
+          <p:nvPr>
+            <p:ph type="body" idx="1"/>
+          </p:nvPr>
+        </p:nvSpPr>
+        <p:spPr/>
+        <p:txBody>
+          <a:bodyPr/>
+          <a:lstStyle/>
+          <a:p>
+            <a:pPr marL="0" marR="0" lvl="0" indent="0" algn="l" defTabSz="914400" rtl="0" eaLnBrk="1" fontAlgn="auto" latinLnBrk="0" hangingPunct="1">
+              <a:lnSpc>
+                <a:spcPct val="100000"/>
+              </a:lnSpc>
+              <a:spcBef>
+                <a:spcPts val="0"/>
+              </a:spcBef>
+              <a:spcAft>
+                <a:spcPts val="0"/>
+              </a:spcAft>
+              <a:buClrTx/>
+              <a:buSzTx/>
+              <a:buFontTx/>
+              <a:buNone/>
+              <a:tabLst/>
+              <a:defRPr/>
+            </a:pPr>
+            <a:r>
+              <a:rPr lang="pt-PT" dirty="0"/>
+              <a:t>Miguel</a:t>
+            </a:r>
+          </a:p>
+          <a:p>
+            <a:endParaRPr lang="pt-PT" dirty="0"/>
+          </a:p>
+          <a:p>
+            <a:r>
+              <a:rPr lang="pt-PT" dirty="0"/>
+              <a:t>De modo a facilitar o processo de procura assim como reduzir o tamanho dos repositórios o texto ainda é processado antes deste ser guardado.</a:t>
+            </a:r>
+          </a:p>
+          <a:p>
+            <a:endParaRPr lang="pt-PT" dirty="0"/>
+          </a:p>
+          <a:p>
+            <a:r>
+              <a:rPr lang="pt-PT" dirty="0"/>
+              <a:t>Para tal utilizamos outra vez a biblioteca Whoosh que disponibiliza Analisadores de Texto.</a:t>
+            </a:r>
+          </a:p>
+          <a:p>
+            <a:r>
+              <a:rPr lang="pt-PT" dirty="0"/>
+              <a:t>Estes analizadores criam três diferentes filtros para o processamento.</a:t>
+            </a:r>
+          </a:p>
+          <a:p>
+            <a:r>
+              <a:rPr lang="pt-PT" dirty="0"/>
+              <a:t>Filtro de Letras Minusculas que converte todas as letras no texto para minusculas.</a:t>
+            </a:r>
+          </a:p>
+          <a:p>
+            <a:r>
+              <a:rPr lang="pt-PT" dirty="0"/>
+              <a:t>Filtro de Stop Words que remove as palavras mais utilizadas no vocabulário.</a:t>
+            </a:r>
+          </a:p>
+          <a:p>
+            <a:r>
+              <a:rPr lang="pt-PT" dirty="0"/>
+              <a:t>Filtro de Stemming que reduz cada palavra, se possivel, á sua raiz. Por exemplo programador a program que é a raiz para palavras como programar, programa, programadores…</a:t>
+            </a:r>
+          </a:p>
+        </p:txBody>
+      </p:sp>
+      <p:sp>
+        <p:nvSpPr>
+          <p:cNvPr id="4" name="Espaço Reservado para Número de Slide 3"/>
+          <p:cNvSpPr>
+            <a:spLocks noGrp="1"/>
+          </p:cNvSpPr>
+          <p:nvPr>
+            <p:ph type="sldNum" sz="quarter" idx="5"/>
+          </p:nvPr>
+        </p:nvSpPr>
+        <p:spPr/>
+        <p:txBody>
+          <a:bodyPr/>
+          <a:lstStyle/>
+          <a:p>
+            <a:pPr rtl="0"/>
+            <a:fld id="{82869989-EB00-4EE7-BCB5-25BDC5BB29F8}" type="slidenum">
+              <a:rPr lang="pt-PT" noProof="0" smtClean="0"/>
+              <a:t>9</a:t>
+            </a:fld>
+            <a:endParaRPr lang="pt-PT" noProof="0" dirty="0"/>
+          </a:p>
+        </p:txBody>
+      </p:sp>
+    </p:spTree>
+    <p:extLst>
+      <p:ext uri="{BB962C8B-B14F-4D97-AF65-F5344CB8AC3E}">
+        <p14:creationId xmlns:p14="http://schemas.microsoft.com/office/powerpoint/2010/main" val="3735884831"/>
       </p:ext>
     </p:extLst>
   </p:cSld>
@@ -3337,7 +4649,7 @@
             <a:pPr rtl="0"/>
             <a:fld id="{4E7A71A3-AE67-4EB1-933B-E5839DF4DEFA}" type="datetime1">
               <a:rPr lang="pt-PT" noProof="0" smtClean="0"/>
-              <a:t>17/09/2020</a:t>
+              <a:t>23/09/2020</a:t>
             </a:fld>
             <a:endParaRPr lang="pt-PT" noProof="0" dirty="0"/>
           </a:p>
@@ -3536,7 +4848,7 @@
             <a:pPr rtl="0"/>
             <a:fld id="{DC9FF26A-05EE-4A57-990B-747B5228A79B}" type="datetime1">
               <a:rPr lang="pt-PT" noProof="0" smtClean="0"/>
-              <a:t>17/09/2020</a:t>
+              <a:t>23/09/2020</a:t>
             </a:fld>
             <a:endParaRPr lang="pt-PT" noProof="0" dirty="0"/>
           </a:p>
@@ -3725,7 +5037,7 @@
             <a:pPr rtl="0"/>
             <a:fld id="{2339E664-2B50-49B7-A53D-B1FD3371E9DF}" type="datetime1">
               <a:rPr lang="pt-PT" noProof="0" smtClean="0"/>
-              <a:t>17/09/2020</a:t>
+              <a:t>23/09/2020</a:t>
             </a:fld>
             <a:endParaRPr lang="pt-PT" noProof="0" dirty="0"/>
           </a:p>
@@ -6073,7 +7385,7 @@
             <a:pPr rtl="0"/>
             <a:fld id="{8EC4A7CC-AE5F-4D1A-8171-C2DF2E9F1DC3}" type="datetime1">
               <a:rPr lang="pt-PT" noProof="0" smtClean="0"/>
-              <a:t>17/09/2020</a:t>
+              <a:t>23/09/2020</a:t>
             </a:fld>
             <a:endParaRPr lang="pt-PT" noProof="0" dirty="0"/>
           </a:p>
@@ -6532,7 +7844,7 @@
             <a:pPr rtl="0"/>
             <a:fld id="{EB54904D-DBDF-4650-90C3-0B92AA8D3471}" type="datetime1">
               <a:rPr lang="pt-PT" noProof="0" smtClean="0"/>
-              <a:t>17/09/2020</a:t>
+              <a:t>23/09/2020</a:t>
             </a:fld>
             <a:endParaRPr lang="pt-PT" noProof="0" dirty="0"/>
           </a:p>
@@ -6669,7 +7981,7 @@
             <a:pPr rtl="0"/>
             <a:fld id="{89682717-7A87-4BFF-A9CB-FA8F4BF1CE57}" type="datetime1">
               <a:rPr lang="pt-PT" noProof="0" smtClean="0"/>
-              <a:t>17/09/2020</a:t>
+              <a:t>23/09/2020</a:t>
             </a:fld>
             <a:endParaRPr lang="pt-PT" noProof="0" dirty="0"/>
           </a:p>
@@ -8605,7 +9917,7 @@
             <a:pPr rtl="0"/>
             <a:fld id="{6196B616-A255-4649-976B-278EAB71DFB1}" type="datetime1">
               <a:rPr lang="pt-PT" noProof="0" smtClean="0"/>
-              <a:t>17/09/2020</a:t>
+              <a:t>23/09/2020</a:t>
             </a:fld>
             <a:endParaRPr lang="pt-PT" noProof="0" dirty="0"/>
           </a:p>
@@ -10867,7 +12179,7 @@
             <a:pPr rtl="0"/>
             <a:fld id="{CAA45A87-0245-465F-AFC5-13CEB2B65E81}" type="datetime1">
               <a:rPr lang="pt-PT" noProof="0" smtClean="0"/>
-              <a:t>17/09/2020</a:t>
+              <a:t>23/09/2020</a:t>
             </a:fld>
             <a:endParaRPr lang="pt-PT" noProof="0" dirty="0"/>
           </a:p>
@@ -15166,7 +16478,7 @@
             <a:pPr rtl="0"/>
             <a:fld id="{A2F59695-F586-42F9-8BC0-D9E077FE9448}" type="datetime1">
               <a:rPr lang="pt-PT" noProof="0" smtClean="0"/>
-              <a:t>17/09/2020</a:t>
+              <a:t>23/09/2020</a:t>
             </a:fld>
             <a:endParaRPr lang="pt-PT" noProof="0" dirty="0"/>
           </a:p>
@@ -16296,29 +17608,13 @@
             <a:pPr lvl="1"/>
             <a:r>
               <a:rPr lang="pt-PT" dirty="0"/>
-              <a:t>Numero de ocorrências.</a:t>
+              <a:t>Número de ocorrências.</a:t>
             </a:r>
           </a:p>
           <a:p>
             <a:r>
               <a:rPr lang="pt-PT" dirty="0"/>
-              <a:t>A ordenação por definição, </a:t>
-            </a:r>
-            <a:r>
-              <a:rPr lang="pt-PT" dirty="0" err="1"/>
-              <a:t>Okapi</a:t>
-            </a:r>
-            <a:r>
-              <a:rPr lang="pt-PT" dirty="0"/>
-              <a:t> BM25F, é uma variante da função </a:t>
-            </a:r>
-            <a:r>
-              <a:rPr lang="pt-PT" dirty="0" err="1"/>
-              <a:t>Okapi</a:t>
-            </a:r>
-            <a:r>
-              <a:rPr lang="pt-PT" dirty="0"/>
-              <a:t> BM25 que retorna o valor TF-IDF associado a cada documento.</a:t>
+              <a:t>A ordenação por definição, Okapi BM25F, é uma variante da função Okapi BM25 que retorna o valor TF-IDF associado a cada documento tendo em conta a posição das palavras no documento.</a:t>
             </a:r>
           </a:p>
         </p:txBody>
@@ -16471,6 +17767,13 @@
             <a:pPr lvl="1"/>
             <a:r>
               <a:rPr lang="pt-PT" dirty="0"/>
+              <a:t>Texto – para que o sistema apresente e devolva saídas</a:t>
+            </a:r>
+          </a:p>
+          <a:p>
+            <a:pPr lvl="1"/>
+            <a:r>
+              <a:rPr lang="pt-PT" dirty="0"/>
               <a:t> Botões - para que o utilizador consiga navegar pelos vários menus </a:t>
             </a:r>
           </a:p>
@@ -16536,6 +17839,166 @@
     <p:extLst>
       <p:ext uri="{BB962C8B-B14F-4D97-AF65-F5344CB8AC3E}">
         <p14:creationId xmlns:p14="http://schemas.microsoft.com/office/powerpoint/2010/main" val="324386872"/>
+      </p:ext>
+    </p:extLst>
+  </p:cSld>
+  <p:clrMapOvr>
+    <a:masterClrMapping/>
+  </p:clrMapOvr>
+  <mc:AlternateContent xmlns:mc="http://schemas.openxmlformats.org/markup-compatibility/2006" xmlns:p14="http://schemas.microsoft.com/office/powerpoint/2010/main">
+    <mc:Choice Requires="p14">
+      <p:transition spd="med" p14:dur="700">
+        <p:fade/>
+      </p:transition>
+    </mc:Choice>
+    <mc:Fallback xmlns="">
+      <p:transition spd="med">
+        <p:fade/>
+      </p:transition>
+    </mc:Fallback>
+  </mc:AlternateContent>
+</p:sld>
+</file>
+
+<file path=ppt/slides/slide14.xml><?xml version="1.0" encoding="utf-8"?>
+<p:sld xmlns:a="http://schemas.openxmlformats.org/drawingml/2006/main" xmlns:r="http://schemas.openxmlformats.org/officeDocument/2006/relationships" xmlns:p="http://schemas.openxmlformats.org/presentationml/2006/main">
+  <p:cSld>
+    <p:spTree>
+      <p:nvGrpSpPr>
+        <p:cNvPr id="1" name=""/>
+        <p:cNvGrpSpPr/>
+        <p:nvPr/>
+      </p:nvGrpSpPr>
+      <p:grpSpPr>
+        <a:xfrm>
+          <a:off x="0" y="0"/>
+          <a:ext cx="0" cy="0"/>
+          <a:chOff x="0" y="0"/>
+          <a:chExt cx="0" cy="0"/>
+        </a:xfrm>
+      </p:grpSpPr>
+      <p:sp>
+        <p:nvSpPr>
+          <p:cNvPr id="2" name="Título 1">
+            <a:extLst>
+              <a:ext uri="{FF2B5EF4-FFF2-40B4-BE49-F238E27FC236}">
+                <a16:creationId xmlns:a16="http://schemas.microsoft.com/office/drawing/2014/main" id="{C18862BE-1486-49D9-806B-25933EB91725}"/>
+              </a:ext>
+            </a:extLst>
+          </p:cNvPr>
+          <p:cNvSpPr>
+            <a:spLocks noGrp="1"/>
+          </p:cNvSpPr>
+          <p:nvPr>
+            <p:ph type="title"/>
+          </p:nvPr>
+        </p:nvSpPr>
+        <p:spPr/>
+        <p:txBody>
+          <a:bodyPr/>
+          <a:lstStyle/>
+          <a:p>
+            <a:r>
+              <a:rPr lang="pt-PT" dirty="0"/>
+              <a:t>Interface gráfica</a:t>
+            </a:r>
+          </a:p>
+        </p:txBody>
+      </p:sp>
+      <p:sp>
+        <p:nvSpPr>
+          <p:cNvPr id="3" name="Marcador de Posição de Conteúdo 2">
+            <a:extLst>
+              <a:ext uri="{FF2B5EF4-FFF2-40B4-BE49-F238E27FC236}">
+                <a16:creationId xmlns:a16="http://schemas.microsoft.com/office/drawing/2014/main" id="{B41403D5-B648-4D47-86BB-8608BE4B06A1}"/>
+              </a:ext>
+            </a:extLst>
+          </p:cNvPr>
+          <p:cNvSpPr>
+            <a:spLocks noGrp="1"/>
+          </p:cNvSpPr>
+          <p:nvPr>
+            <p:ph idx="1"/>
+          </p:nvPr>
+        </p:nvSpPr>
+        <p:spPr/>
+        <p:txBody>
+          <a:bodyPr/>
+          <a:lstStyle/>
+          <a:p>
+            <a:endParaRPr lang="pt-PT" dirty="0"/>
+          </a:p>
+        </p:txBody>
+      </p:sp>
+      <p:sp>
+        <p:nvSpPr>
+          <p:cNvPr id="4" name="Marcador de Posição do Número do Diapositivo 3">
+            <a:extLst>
+              <a:ext uri="{FF2B5EF4-FFF2-40B4-BE49-F238E27FC236}">
+                <a16:creationId xmlns:a16="http://schemas.microsoft.com/office/drawing/2014/main" id="{569C6A4D-FDBB-40A6-A7C5-E2438A033924}"/>
+              </a:ext>
+            </a:extLst>
+          </p:cNvPr>
+          <p:cNvSpPr>
+            <a:spLocks noGrp="1"/>
+          </p:cNvSpPr>
+          <p:nvPr>
+            <p:ph type="sldNum" sz="quarter" idx="12"/>
+          </p:nvPr>
+        </p:nvSpPr>
+        <p:spPr/>
+        <p:txBody>
+          <a:bodyPr/>
+          <a:lstStyle/>
+          <a:p>
+            <a:pPr rtl="0"/>
+            <a:fld id="{E31375A4-56A4-47D6-9801-1991572033F7}" type="slidenum">
+              <a:rPr lang="pt-PT" noProof="0" smtClean="0"/>
+              <a:t>14</a:t>
+            </a:fld>
+            <a:endParaRPr lang="pt-PT" noProof="0" dirty="0"/>
+          </a:p>
+        </p:txBody>
+      </p:sp>
+      <p:pic>
+        <p:nvPicPr>
+          <p:cNvPr id="5" name="Imagem 4">
+            <a:extLst>
+              <a:ext uri="{FF2B5EF4-FFF2-40B4-BE49-F238E27FC236}">
+                <a16:creationId xmlns:a16="http://schemas.microsoft.com/office/drawing/2014/main" id="{F5ADFB32-B577-4250-80D7-5D20107D1195}"/>
+              </a:ext>
+            </a:extLst>
+          </p:cNvPr>
+          <p:cNvPicPr>
+            <a:picLocks noChangeAspect="1"/>
+          </p:cNvPicPr>
+          <p:nvPr/>
+        </p:nvPicPr>
+        <p:blipFill>
+          <a:blip r:embed="rId2"/>
+          <a:stretch>
+            <a:fillRect/>
+          </a:stretch>
+        </p:blipFill>
+        <p:spPr>
+          <a:xfrm>
+            <a:off x="912874" y="1779866"/>
+            <a:ext cx="10366251" cy="4212668"/>
+          </a:xfrm>
+          <a:prstGeom prst="rect">
+            <a:avLst/>
+          </a:prstGeom>
+          <a:ln>
+            <a:solidFill>
+              <a:schemeClr val="accent1"/>
+            </a:solidFill>
+          </a:ln>
+        </p:spPr>
+      </p:pic>
+    </p:spTree>
+    <p:extLst>
+      <p:ext uri="{BB962C8B-B14F-4D97-AF65-F5344CB8AC3E}">
+        <p14:creationId xmlns:p14="http://schemas.microsoft.com/office/powerpoint/2010/main" val="297375680"/>
       </p:ext>
     </p:extLst>
   </p:cSld>
@@ -16747,7 +18210,12 @@
             <p:ph idx="1"/>
           </p:nvPr>
         </p:nvSpPr>
-        <p:spPr/>
+        <p:spPr>
+          <a:xfrm>
+            <a:off x="1295400" y="1981201"/>
+            <a:ext cx="9601200" cy="4308478"/>
+          </a:xfrm>
+        </p:spPr>
         <p:txBody>
           <a:bodyPr rtlCol="0">
             <a:normAutofit fontScale="92500" lnSpcReduction="20000"/>
@@ -16826,7 +18294,7 @@
             </a:r>
             <a:r>
               <a:rPr lang="pt-PT" dirty="0" err="1"/>
-              <a:t>pdt</a:t>
+              <a:t>pdf</a:t>
             </a:r>
             <a:r>
               <a:rPr lang="pt-PT" dirty="0"/>
@@ -16853,22 +18321,7 @@
             <a:pPr lvl="2"/>
             <a:r>
               <a:rPr lang="pt-PT" dirty="0"/>
-              <a:t>Pesquisa de palavra chave no texto;</a:t>
-            </a:r>
-          </a:p>
-          <a:p>
-            <a:pPr lvl="2"/>
-            <a:r>
-              <a:rPr lang="pt-PT" dirty="0"/>
-              <a:t>Pesquisa de exercícios em ficheiros locais e na </a:t>
-            </a:r>
-            <a:r>
-              <a:rPr lang="pt-PT" dirty="0" err="1"/>
-              <a:t>dropbox</a:t>
-            </a:r>
-            <a:r>
-              <a:rPr lang="pt-PT" dirty="0"/>
-              <a:t>;</a:t>
+              <a:t>Pesquisa personalizada em ficheiros locais ou na dropbox;</a:t>
             </a:r>
           </a:p>
           <a:p>
@@ -16879,10 +18332,18 @@
             </a:r>
           </a:p>
           <a:p>
-            <a:pPr marL="506412" lvl="2" indent="0">
-              <a:buNone/>
-            </a:pPr>
-            <a:endParaRPr lang="pt-PT" dirty="0"/>
+            <a:pPr lvl="2"/>
+            <a:r>
+              <a:rPr lang="pt-PT" dirty="0"/>
+              <a:t>Processamento de texto de modo a optimizar a pesquisa.</a:t>
+            </a:r>
+          </a:p>
+          <a:p>
+            <a:pPr lvl="1"/>
+            <a:r>
+              <a:rPr lang="pt-PT" dirty="0"/>
+              <a:t>Desenvolvimento em Python </a:t>
+            </a:r>
           </a:p>
           <a:p>
             <a:pPr lvl="1"/>
@@ -17011,7 +18472,7 @@
           </p:nvPr>
         </p:nvPicPr>
         <p:blipFill>
-          <a:blip r:embed="rId2"/>
+          <a:blip r:embed="rId3"/>
           <a:stretch>
             <a:fillRect/>
           </a:stretch>
@@ -17153,12 +18614,46 @@
             <p:ph idx="1"/>
           </p:nvPr>
         </p:nvSpPr>
-        <p:spPr/>
+        <p:spPr>
+          <a:xfrm>
+            <a:off x="1295400" y="1981201"/>
+            <a:ext cx="7197436" cy="3809999"/>
+          </a:xfrm>
+        </p:spPr>
         <p:txBody>
           <a:bodyPr/>
           <a:lstStyle/>
           <a:p>
-            <a:endParaRPr lang="pt-PT" dirty="0"/>
+            <a:r>
+              <a:rPr lang="pt-PT" dirty="0"/>
+              <a:t>Este projeto foi desenvolvido utilizando Jupyter notebooks pois permitem a execução de código </a:t>
+            </a:r>
+            <a:r>
+              <a:rPr lang="pt-PT" dirty="0" err="1"/>
+              <a:t>Python</a:t>
+            </a:r>
+            <a:r>
+              <a:rPr lang="pt-PT" dirty="0"/>
+              <a:t> em browsers.</a:t>
+            </a:r>
+          </a:p>
+          <a:p>
+            <a:r>
+              <a:rPr lang="pt-PT" dirty="0"/>
+              <a:t>Deste modo Jupyter notebooks facilitam a criação de Aplicações Web pois convertem todo o codigo Python em componentes HTML.</a:t>
+            </a:r>
+          </a:p>
+          <a:p>
+            <a:r>
+              <a:rPr lang="pt-PT" dirty="0"/>
+              <a:t>Utilizamos ainda a biblioteca Python Voilà. Esta biblioteca esconde as celulas de codigo e facilita a conversão dos resultados para HTML.</a:t>
+            </a:r>
+          </a:p>
+          <a:p>
+            <a:r>
+              <a:rPr lang="pt-PT" dirty="0"/>
+              <a:t>A biblioteca Voilà ainda impede que o utilizador execute código arbitrário criado por ele e providencia cada utilizador com um kernel.</a:t>
+            </a:r>
           </a:p>
         </p:txBody>
       </p:sp>
@@ -17192,6 +18687,66 @@
           </a:p>
         </p:txBody>
       </p:sp>
+      <p:pic>
+        <p:nvPicPr>
+          <p:cNvPr id="6" name="Imagem 5" descr="Uma imagem com sushi, símbolo, relógio&#10;&#10;Descrição gerada automaticamente">
+            <a:extLst>
+              <a:ext uri="{FF2B5EF4-FFF2-40B4-BE49-F238E27FC236}">
+                <a16:creationId xmlns:a16="http://schemas.microsoft.com/office/drawing/2014/main" id="{03013458-DA18-4828-BE34-686054FD16AC}"/>
+              </a:ext>
+            </a:extLst>
+          </p:cNvPr>
+          <p:cNvPicPr>
+            <a:picLocks noChangeAspect="1"/>
+          </p:cNvPicPr>
+          <p:nvPr/>
+        </p:nvPicPr>
+        <p:blipFill>
+          <a:blip r:embed="rId3"/>
+          <a:stretch>
+            <a:fillRect/>
+          </a:stretch>
+        </p:blipFill>
+        <p:spPr>
+          <a:xfrm>
+            <a:off x="8762785" y="1981201"/>
+            <a:ext cx="2133815" cy="2473447"/>
+          </a:xfrm>
+          <a:prstGeom prst="rect">
+            <a:avLst/>
+          </a:prstGeom>
+        </p:spPr>
+      </p:pic>
+      <p:pic>
+        <p:nvPicPr>
+          <p:cNvPr id="8" name="Imagem 7" descr="Uma imagem com desenho&#10;&#10;Descrição gerada automaticamente">
+            <a:extLst>
+              <a:ext uri="{FF2B5EF4-FFF2-40B4-BE49-F238E27FC236}">
+                <a16:creationId xmlns:a16="http://schemas.microsoft.com/office/drawing/2014/main" id="{E82CE9B3-FF1D-4AB4-97F4-21D725C01F07}"/>
+              </a:ext>
+            </a:extLst>
+          </p:cNvPr>
+          <p:cNvPicPr>
+            <a:picLocks noChangeAspect="1"/>
+          </p:cNvPicPr>
+          <p:nvPr/>
+        </p:nvPicPr>
+        <p:blipFill>
+          <a:blip r:embed="rId4"/>
+          <a:stretch>
+            <a:fillRect/>
+          </a:stretch>
+        </p:blipFill>
+        <p:spPr>
+          <a:xfrm>
+            <a:off x="8674074" y="4454648"/>
+            <a:ext cx="2311235" cy="966096"/>
+          </a:xfrm>
+          <a:prstGeom prst="rect">
+            <a:avLst/>
+          </a:prstGeom>
+        </p:spPr>
+      </p:pic>
     </p:spTree>
     <p:extLst>
       <p:ext uri="{BB962C8B-B14F-4D97-AF65-F5344CB8AC3E}">
@@ -17297,23 +18852,22 @@
               <a:t>A biblioteca </a:t>
             </a:r>
             <a:r>
-              <a:rPr lang="pt-PT" sz="1800" i="1" dirty="0" err="1"/>
-              <a:t>Python</a:t>
-            </a:r>
-            <a:r>
               <a:rPr lang="pt-PT" sz="1800" i="1" dirty="0"/>
-              <a:t> </a:t>
-            </a:r>
-            <a:r>
-              <a:rPr lang="pt-PT" sz="1800" i="1" dirty="0" err="1"/>
-              <a:t>Whoosh</a:t>
+              <a:t>Python Whoosh</a:t>
             </a:r>
             <a:r>
               <a:rPr lang="pt-PT" sz="1800" dirty="0"/>
-              <a:t> permite a criação de um motor de pesquisa utilizando apenas </a:t>
-            </a:r>
-            <a:r>
-              <a:rPr lang="pt-PT" sz="1800" i="1" dirty="0" err="1"/>
+              <a:t> permite a criação de um motor de pesquisa.</a:t>
+            </a:r>
+          </a:p>
+          <a:p>
+            <a:pPr algn="just"/>
+            <a:r>
+              <a:rPr lang="pt-PT" sz="1800" dirty="0"/>
+              <a:t>Esta bibleoteca apenas </a:t>
+            </a:r>
+            <a:r>
+              <a:rPr lang="pt-PT" sz="1800" i="1" dirty="0"/>
               <a:t>Python</a:t>
             </a:r>
             <a:r>
@@ -17388,6 +18942,35 @@
           </a:p>
         </p:txBody>
       </p:sp>
+      <p:pic>
+        <p:nvPicPr>
+          <p:cNvPr id="6" name="Imagem 5" descr="Uma imagem com espelho&#10;&#10;Descrição gerada automaticamente">
+            <a:extLst>
+              <a:ext uri="{FF2B5EF4-FFF2-40B4-BE49-F238E27FC236}">
+                <a16:creationId xmlns:a16="http://schemas.microsoft.com/office/drawing/2014/main" id="{C2642A69-DC2C-4A4F-8053-6A3F492FF311}"/>
+              </a:ext>
+            </a:extLst>
+          </p:cNvPr>
+          <p:cNvPicPr>
+            <a:picLocks noChangeAspect="1"/>
+          </p:cNvPicPr>
+          <p:nvPr/>
+        </p:nvPicPr>
+        <p:blipFill rotWithShape="1">
+          <a:blip r:embed="rId3"/>
+          <a:srcRect t="21212" b="27677"/>
+          <a:stretch/>
+        </p:blipFill>
+        <p:spPr>
+          <a:xfrm>
+            <a:off x="8129736" y="3875201"/>
+            <a:ext cx="2766864" cy="1744150"/>
+          </a:xfrm>
+          <a:prstGeom prst="rect">
+            <a:avLst/>
+          </a:prstGeom>
+        </p:spPr>
+      </p:pic>
     </p:spTree>
     <p:extLst>
       <p:ext uri="{BB962C8B-B14F-4D97-AF65-F5344CB8AC3E}">
@@ -17879,7 +19462,7 @@
           <p:nvPr/>
         </p:nvPicPr>
         <p:blipFill>
-          <a:blip r:embed="rId2"/>
+          <a:blip r:embed="rId3"/>
           <a:stretch>
             <a:fillRect/>
           </a:stretch>
